--- a/demo-presentation.pptx
+++ b/demo-presentation.pptx
@@ -129,6 +129,88 @@
 
 <file path=ppt/changesInfos/changesInfo1.xml><?xml version="1.0" encoding="utf-8"?>
 <pc:chgInfo xmlns:a="http://schemas.openxmlformats.org/drawingml/2006/main" xmlns:r="http://schemas.openxmlformats.org/officeDocument/2006/relationships" xmlns:ac="http://schemas.microsoft.com/office/drawing/2013/main/command" xmlns:pc="http://schemas.microsoft.com/office/powerpoint/2013/main/command">
+  <pc:docChgLst>
+    <pc:chgData name="Amedeo Sarpa" userId="8ed268711e0b185e" providerId="LiveId" clId="{D1A89F14-331E-4622-B6BE-609C4B3C0BE9}"/>
+    <pc:docChg chg="undo custSel addSld delSld modSld">
+      <pc:chgData name="Amedeo Sarpa" userId="8ed268711e0b185e" providerId="LiveId" clId="{D1A89F14-331E-4622-B6BE-609C4B3C0BE9}" dt="2022-06-22T20:14:11.436" v="800" actId="20577"/>
+      <pc:docMkLst>
+        <pc:docMk/>
+      </pc:docMkLst>
+      <pc:sldChg chg="del">
+        <pc:chgData name="Amedeo Sarpa" userId="8ed268711e0b185e" providerId="LiveId" clId="{D1A89F14-331E-4622-B6BE-609C4B3C0BE9}" dt="2022-06-22T20:00:19.106" v="372" actId="47"/>
+        <pc:sldMkLst>
+          <pc:docMk/>
+          <pc:sldMk cId="367559866" sldId="262"/>
+        </pc:sldMkLst>
+      </pc:sldChg>
+      <pc:sldChg chg="del">
+        <pc:chgData name="Amedeo Sarpa" userId="8ed268711e0b185e" providerId="LiveId" clId="{D1A89F14-331E-4622-B6BE-609C4B3C0BE9}" dt="2022-06-22T20:00:15.826" v="369" actId="47"/>
+        <pc:sldMkLst>
+          <pc:docMk/>
+          <pc:sldMk cId="3959187025" sldId="263"/>
+        </pc:sldMkLst>
+      </pc:sldChg>
+      <pc:sldChg chg="add del">
+        <pc:chgData name="Amedeo Sarpa" userId="8ed268711e0b185e" providerId="LiveId" clId="{D1A89F14-331E-4622-B6BE-609C4B3C0BE9}" dt="2022-06-22T20:00:17.698" v="371" actId="47"/>
+        <pc:sldMkLst>
+          <pc:docMk/>
+          <pc:sldMk cId="3695652080" sldId="264"/>
+        </pc:sldMkLst>
+      </pc:sldChg>
+      <pc:sldChg chg="modSp mod">
+        <pc:chgData name="Amedeo Sarpa" userId="8ed268711e0b185e" providerId="LiveId" clId="{D1A89F14-331E-4622-B6BE-609C4B3C0BE9}" dt="2022-06-22T20:14:11.436" v="800" actId="20577"/>
+        <pc:sldMkLst>
+          <pc:docMk/>
+          <pc:sldMk cId="1696501984" sldId="265"/>
+        </pc:sldMkLst>
+        <pc:spChg chg="mod">
+          <ac:chgData name="Amedeo Sarpa" userId="8ed268711e0b185e" providerId="LiveId" clId="{D1A89F14-331E-4622-B6BE-609C4B3C0BE9}" dt="2022-06-22T20:14:11.436" v="800" actId="20577"/>
+          <ac:spMkLst>
+            <pc:docMk/>
+            <pc:sldMk cId="1696501984" sldId="265"/>
+            <ac:spMk id="3" creationId="{32DC2ADC-EAE0-C185-0EBC-A64F309DB754}"/>
+          </ac:spMkLst>
+        </pc:spChg>
+      </pc:sldChg>
+      <pc:sldChg chg="modSp mod">
+        <pc:chgData name="Amedeo Sarpa" userId="8ed268711e0b185e" providerId="LiveId" clId="{D1A89F14-331E-4622-B6BE-609C4B3C0BE9}" dt="2022-06-22T20:06:42.130" v="473" actId="20577"/>
+        <pc:sldMkLst>
+          <pc:docMk/>
+          <pc:sldMk cId="3372749050" sldId="268"/>
+        </pc:sldMkLst>
+        <pc:graphicFrameChg chg="modGraphic">
+          <ac:chgData name="Amedeo Sarpa" userId="8ed268711e0b185e" providerId="LiveId" clId="{D1A89F14-331E-4622-B6BE-609C4B3C0BE9}" dt="2022-06-22T20:06:42.130" v="473" actId="20577"/>
+          <ac:graphicFrameMkLst>
+            <pc:docMk/>
+            <pc:sldMk cId="3372749050" sldId="268"/>
+            <ac:graphicFrameMk id="7" creationId="{6DD7CD3A-53F5-5622-9240-B1FC1543199A}"/>
+          </ac:graphicFrameMkLst>
+        </pc:graphicFrameChg>
+      </pc:sldChg>
+      <pc:sldChg chg="modSp add mod">
+        <pc:chgData name="Amedeo Sarpa" userId="8ed268711e0b185e" providerId="LiveId" clId="{D1A89F14-331E-4622-B6BE-609C4B3C0BE9}" dt="2022-06-22T20:00:12.993" v="368" actId="20577"/>
+        <pc:sldMkLst>
+          <pc:docMk/>
+          <pc:sldMk cId="644732824" sldId="269"/>
+        </pc:sldMkLst>
+        <pc:spChg chg="mod">
+          <ac:chgData name="Amedeo Sarpa" userId="8ed268711e0b185e" providerId="LiveId" clId="{D1A89F14-331E-4622-B6BE-609C4B3C0BE9}" dt="2022-06-22T20:00:12.993" v="368" actId="20577"/>
+          <ac:spMkLst>
+            <pc:docMk/>
+            <pc:sldMk cId="644732824" sldId="269"/>
+            <ac:spMk id="3" creationId="{32DC2ADC-EAE0-C185-0EBC-A64F309DB754}"/>
+          </ac:spMkLst>
+        </pc:spChg>
+      </pc:sldChg>
+      <pc:sldChg chg="new del">
+        <pc:chgData name="Amedeo Sarpa" userId="8ed268711e0b185e" providerId="LiveId" clId="{D1A89F14-331E-4622-B6BE-609C4B3C0BE9}" dt="2022-06-22T20:00:06.260" v="359" actId="47"/>
+        <pc:sldMkLst>
+          <pc:docMk/>
+          <pc:sldMk cId="4188348809" sldId="269"/>
+        </pc:sldMkLst>
+      </pc:sldChg>
+    </pc:docChg>
+  </pc:docChgLst>
   <pc:docChgLst>
     <pc:chgData name="Amedeo Sarpa" userId="8ed268711e0b185e" providerId="LiveId" clId="{AD61B881-79DB-4608-BAA9-B231B867BB03}"/>
     <pc:docChg chg="undo custSel addSld delSld modSld sldOrd">
@@ -515,88 +597,6 @@
       </pc:sldChg>
     </pc:docChg>
   </pc:docChgLst>
-  <pc:docChgLst>
-    <pc:chgData name="Amedeo Sarpa" userId="8ed268711e0b185e" providerId="LiveId" clId="{D1A89F14-331E-4622-B6BE-609C4B3C0BE9}"/>
-    <pc:docChg chg="undo custSel addSld delSld modSld">
-      <pc:chgData name="Amedeo Sarpa" userId="8ed268711e0b185e" providerId="LiveId" clId="{D1A89F14-331E-4622-B6BE-609C4B3C0BE9}" dt="2022-06-22T20:14:11.436" v="800" actId="20577"/>
-      <pc:docMkLst>
-        <pc:docMk/>
-      </pc:docMkLst>
-      <pc:sldChg chg="del">
-        <pc:chgData name="Amedeo Sarpa" userId="8ed268711e0b185e" providerId="LiveId" clId="{D1A89F14-331E-4622-B6BE-609C4B3C0BE9}" dt="2022-06-22T20:00:19.106" v="372" actId="47"/>
-        <pc:sldMkLst>
-          <pc:docMk/>
-          <pc:sldMk cId="367559866" sldId="262"/>
-        </pc:sldMkLst>
-      </pc:sldChg>
-      <pc:sldChg chg="del">
-        <pc:chgData name="Amedeo Sarpa" userId="8ed268711e0b185e" providerId="LiveId" clId="{D1A89F14-331E-4622-B6BE-609C4B3C0BE9}" dt="2022-06-22T20:00:15.826" v="369" actId="47"/>
-        <pc:sldMkLst>
-          <pc:docMk/>
-          <pc:sldMk cId="3959187025" sldId="263"/>
-        </pc:sldMkLst>
-      </pc:sldChg>
-      <pc:sldChg chg="add del">
-        <pc:chgData name="Amedeo Sarpa" userId="8ed268711e0b185e" providerId="LiveId" clId="{D1A89F14-331E-4622-B6BE-609C4B3C0BE9}" dt="2022-06-22T20:00:17.698" v="371" actId="47"/>
-        <pc:sldMkLst>
-          <pc:docMk/>
-          <pc:sldMk cId="3695652080" sldId="264"/>
-        </pc:sldMkLst>
-      </pc:sldChg>
-      <pc:sldChg chg="modSp mod">
-        <pc:chgData name="Amedeo Sarpa" userId="8ed268711e0b185e" providerId="LiveId" clId="{D1A89F14-331E-4622-B6BE-609C4B3C0BE9}" dt="2022-06-22T20:14:11.436" v="800" actId="20577"/>
-        <pc:sldMkLst>
-          <pc:docMk/>
-          <pc:sldMk cId="1696501984" sldId="265"/>
-        </pc:sldMkLst>
-        <pc:spChg chg="mod">
-          <ac:chgData name="Amedeo Sarpa" userId="8ed268711e0b185e" providerId="LiveId" clId="{D1A89F14-331E-4622-B6BE-609C4B3C0BE9}" dt="2022-06-22T20:14:11.436" v="800" actId="20577"/>
-          <ac:spMkLst>
-            <pc:docMk/>
-            <pc:sldMk cId="1696501984" sldId="265"/>
-            <ac:spMk id="3" creationId="{32DC2ADC-EAE0-C185-0EBC-A64F309DB754}"/>
-          </ac:spMkLst>
-        </pc:spChg>
-      </pc:sldChg>
-      <pc:sldChg chg="modSp mod">
-        <pc:chgData name="Amedeo Sarpa" userId="8ed268711e0b185e" providerId="LiveId" clId="{D1A89F14-331E-4622-B6BE-609C4B3C0BE9}" dt="2022-06-22T20:06:42.130" v="473" actId="20577"/>
-        <pc:sldMkLst>
-          <pc:docMk/>
-          <pc:sldMk cId="3372749050" sldId="268"/>
-        </pc:sldMkLst>
-        <pc:graphicFrameChg chg="modGraphic">
-          <ac:chgData name="Amedeo Sarpa" userId="8ed268711e0b185e" providerId="LiveId" clId="{D1A89F14-331E-4622-B6BE-609C4B3C0BE9}" dt="2022-06-22T20:06:42.130" v="473" actId="20577"/>
-          <ac:graphicFrameMkLst>
-            <pc:docMk/>
-            <pc:sldMk cId="3372749050" sldId="268"/>
-            <ac:graphicFrameMk id="7" creationId="{6DD7CD3A-53F5-5622-9240-B1FC1543199A}"/>
-          </ac:graphicFrameMkLst>
-        </pc:graphicFrameChg>
-      </pc:sldChg>
-      <pc:sldChg chg="modSp add mod">
-        <pc:chgData name="Amedeo Sarpa" userId="8ed268711e0b185e" providerId="LiveId" clId="{D1A89F14-331E-4622-B6BE-609C4B3C0BE9}" dt="2022-06-22T20:00:12.993" v="368" actId="20577"/>
-        <pc:sldMkLst>
-          <pc:docMk/>
-          <pc:sldMk cId="644732824" sldId="269"/>
-        </pc:sldMkLst>
-        <pc:spChg chg="mod">
-          <ac:chgData name="Amedeo Sarpa" userId="8ed268711e0b185e" providerId="LiveId" clId="{D1A89F14-331E-4622-B6BE-609C4B3C0BE9}" dt="2022-06-22T20:00:12.993" v="368" actId="20577"/>
-          <ac:spMkLst>
-            <pc:docMk/>
-            <pc:sldMk cId="644732824" sldId="269"/>
-            <ac:spMk id="3" creationId="{32DC2ADC-EAE0-C185-0EBC-A64F309DB754}"/>
-          </ac:spMkLst>
-        </pc:spChg>
-      </pc:sldChg>
-      <pc:sldChg chg="new del">
-        <pc:chgData name="Amedeo Sarpa" userId="8ed268711e0b185e" providerId="LiveId" clId="{D1A89F14-331E-4622-B6BE-609C4B3C0BE9}" dt="2022-06-22T20:00:06.260" v="359" actId="47"/>
-        <pc:sldMkLst>
-          <pc:docMk/>
-          <pc:sldMk cId="4188348809" sldId="269"/>
-        </pc:sldMkLst>
-      </pc:sldChg>
-    </pc:docChg>
-  </pc:docChgLst>
 </pc:chgInfo>
 </file>
 
@@ -747,7 +747,7 @@
           <a:p>
             <a:fld id="{A19D0A76-54E9-47D1-BC1D-E0EBFF606643}" type="datetimeFigureOut">
               <a:rPr lang="it-IT" smtClean="0"/>
-              <a:t>22/06/2022</a:t>
+              <a:t>23/06/2022</a:t>
             </a:fld>
             <a:endParaRPr lang="it-IT"/>
           </a:p>
@@ -801,7 +801,7 @@
           <a:p>
             <a:fld id="{D1F3053D-9714-463D-9841-95717B2569F1}" type="slidenum">
               <a:rPr lang="it-IT" smtClean="0"/>
-              <a:t>‹N›</a:t>
+              <a:t>‹#›</a:t>
             </a:fld>
             <a:endParaRPr lang="it-IT"/>
           </a:p>
@@ -945,7 +945,7 @@
           <a:p>
             <a:fld id="{A19D0A76-54E9-47D1-BC1D-E0EBFF606643}" type="datetimeFigureOut">
               <a:rPr lang="it-IT" smtClean="0"/>
-              <a:t>22/06/2022</a:t>
+              <a:t>23/06/2022</a:t>
             </a:fld>
             <a:endParaRPr lang="it-IT"/>
           </a:p>
@@ -999,7 +999,7 @@
           <a:p>
             <a:fld id="{D1F3053D-9714-463D-9841-95717B2569F1}" type="slidenum">
               <a:rPr lang="it-IT" smtClean="0"/>
-              <a:t>‹N›</a:t>
+              <a:t>‹#›</a:t>
             </a:fld>
             <a:endParaRPr lang="it-IT"/>
           </a:p>
@@ -1153,7 +1153,7 @@
           <a:p>
             <a:fld id="{A19D0A76-54E9-47D1-BC1D-E0EBFF606643}" type="datetimeFigureOut">
               <a:rPr lang="it-IT" smtClean="0"/>
-              <a:t>22/06/2022</a:t>
+              <a:t>23/06/2022</a:t>
             </a:fld>
             <a:endParaRPr lang="it-IT"/>
           </a:p>
@@ -1207,7 +1207,7 @@
           <a:p>
             <a:fld id="{D1F3053D-9714-463D-9841-95717B2569F1}" type="slidenum">
               <a:rPr lang="it-IT" smtClean="0"/>
-              <a:t>‹N›</a:t>
+              <a:t>‹#›</a:t>
             </a:fld>
             <a:endParaRPr lang="it-IT"/>
           </a:p>
@@ -1351,7 +1351,7 @@
           <a:p>
             <a:fld id="{A19D0A76-54E9-47D1-BC1D-E0EBFF606643}" type="datetimeFigureOut">
               <a:rPr lang="it-IT" smtClean="0"/>
-              <a:t>22/06/2022</a:t>
+              <a:t>23/06/2022</a:t>
             </a:fld>
             <a:endParaRPr lang="it-IT"/>
           </a:p>
@@ -1405,7 +1405,7 @@
           <a:p>
             <a:fld id="{D1F3053D-9714-463D-9841-95717B2569F1}" type="slidenum">
               <a:rPr lang="it-IT" smtClean="0"/>
-              <a:t>‹N›</a:t>
+              <a:t>‹#›</a:t>
             </a:fld>
             <a:endParaRPr lang="it-IT"/>
           </a:p>
@@ -1626,7 +1626,7 @@
           <a:p>
             <a:fld id="{A19D0A76-54E9-47D1-BC1D-E0EBFF606643}" type="datetimeFigureOut">
               <a:rPr lang="it-IT" smtClean="0"/>
-              <a:t>22/06/2022</a:t>
+              <a:t>23/06/2022</a:t>
             </a:fld>
             <a:endParaRPr lang="it-IT"/>
           </a:p>
@@ -1680,7 +1680,7 @@
           <a:p>
             <a:fld id="{D1F3053D-9714-463D-9841-95717B2569F1}" type="slidenum">
               <a:rPr lang="it-IT" smtClean="0"/>
-              <a:t>‹N›</a:t>
+              <a:t>‹#›</a:t>
             </a:fld>
             <a:endParaRPr lang="it-IT"/>
           </a:p>
@@ -1891,7 +1891,7 @@
           <a:p>
             <a:fld id="{A19D0A76-54E9-47D1-BC1D-E0EBFF606643}" type="datetimeFigureOut">
               <a:rPr lang="it-IT" smtClean="0"/>
-              <a:t>22/06/2022</a:t>
+              <a:t>23/06/2022</a:t>
             </a:fld>
             <a:endParaRPr lang="it-IT"/>
           </a:p>
@@ -1945,7 +1945,7 @@
           <a:p>
             <a:fld id="{D1F3053D-9714-463D-9841-95717B2569F1}" type="slidenum">
               <a:rPr lang="it-IT" smtClean="0"/>
-              <a:t>‹N›</a:t>
+              <a:t>‹#›</a:t>
             </a:fld>
             <a:endParaRPr lang="it-IT"/>
           </a:p>
@@ -2303,7 +2303,7 @@
           <a:p>
             <a:fld id="{A19D0A76-54E9-47D1-BC1D-E0EBFF606643}" type="datetimeFigureOut">
               <a:rPr lang="it-IT" smtClean="0"/>
-              <a:t>22/06/2022</a:t>
+              <a:t>23/06/2022</a:t>
             </a:fld>
             <a:endParaRPr lang="it-IT"/>
           </a:p>
@@ -2357,7 +2357,7 @@
           <a:p>
             <a:fld id="{D1F3053D-9714-463D-9841-95717B2569F1}" type="slidenum">
               <a:rPr lang="it-IT" smtClean="0"/>
-              <a:t>‹N›</a:t>
+              <a:t>‹#›</a:t>
             </a:fld>
             <a:endParaRPr lang="it-IT"/>
           </a:p>
@@ -2444,7 +2444,7 @@
           <a:p>
             <a:fld id="{A19D0A76-54E9-47D1-BC1D-E0EBFF606643}" type="datetimeFigureOut">
               <a:rPr lang="it-IT" smtClean="0"/>
-              <a:t>22/06/2022</a:t>
+              <a:t>23/06/2022</a:t>
             </a:fld>
             <a:endParaRPr lang="it-IT"/>
           </a:p>
@@ -2498,7 +2498,7 @@
           <a:p>
             <a:fld id="{D1F3053D-9714-463D-9841-95717B2569F1}" type="slidenum">
               <a:rPr lang="it-IT" smtClean="0"/>
-              <a:t>‹N›</a:t>
+              <a:t>‹#›</a:t>
             </a:fld>
             <a:endParaRPr lang="it-IT"/>
           </a:p>
@@ -2557,7 +2557,7 @@
           <a:p>
             <a:fld id="{A19D0A76-54E9-47D1-BC1D-E0EBFF606643}" type="datetimeFigureOut">
               <a:rPr lang="it-IT" smtClean="0"/>
-              <a:t>22/06/2022</a:t>
+              <a:t>23/06/2022</a:t>
             </a:fld>
             <a:endParaRPr lang="it-IT"/>
           </a:p>
@@ -2611,7 +2611,7 @@
           <a:p>
             <a:fld id="{D1F3053D-9714-463D-9841-95717B2569F1}" type="slidenum">
               <a:rPr lang="it-IT" smtClean="0"/>
-              <a:t>‹N›</a:t>
+              <a:t>‹#›</a:t>
             </a:fld>
             <a:endParaRPr lang="it-IT"/>
           </a:p>
@@ -2868,7 +2868,7 @@
           <a:p>
             <a:fld id="{A19D0A76-54E9-47D1-BC1D-E0EBFF606643}" type="datetimeFigureOut">
               <a:rPr lang="it-IT" smtClean="0"/>
-              <a:t>22/06/2022</a:t>
+              <a:t>23/06/2022</a:t>
             </a:fld>
             <a:endParaRPr lang="it-IT"/>
           </a:p>
@@ -2922,7 +2922,7 @@
           <a:p>
             <a:fld id="{D1F3053D-9714-463D-9841-95717B2569F1}" type="slidenum">
               <a:rPr lang="it-IT" smtClean="0"/>
-              <a:t>‹N›</a:t>
+              <a:t>‹#›</a:t>
             </a:fld>
             <a:endParaRPr lang="it-IT"/>
           </a:p>
@@ -3156,7 +3156,7 @@
           <a:p>
             <a:fld id="{A19D0A76-54E9-47D1-BC1D-E0EBFF606643}" type="datetimeFigureOut">
               <a:rPr lang="it-IT" smtClean="0"/>
-              <a:t>22/06/2022</a:t>
+              <a:t>23/06/2022</a:t>
             </a:fld>
             <a:endParaRPr lang="it-IT"/>
           </a:p>
@@ -3210,7 +3210,7 @@
           <a:p>
             <a:fld id="{D1F3053D-9714-463D-9841-95717B2569F1}" type="slidenum">
               <a:rPr lang="it-IT" smtClean="0"/>
-              <a:t>‹N›</a:t>
+              <a:t>‹#›</a:t>
             </a:fld>
             <a:endParaRPr lang="it-IT"/>
           </a:p>
@@ -3397,7 +3397,7 @@
           <a:p>
             <a:fld id="{A19D0A76-54E9-47D1-BC1D-E0EBFF606643}" type="datetimeFigureOut">
               <a:rPr lang="it-IT" smtClean="0"/>
-              <a:t>22/06/2022</a:t>
+              <a:t>23/06/2022</a:t>
             </a:fld>
             <a:endParaRPr lang="it-IT"/>
           </a:p>
@@ -3487,7 +3487,7 @@
           <a:p>
             <a:fld id="{D1F3053D-9714-463D-9841-95717B2569F1}" type="slidenum">
               <a:rPr lang="it-IT" smtClean="0"/>
-              <a:t>‹N›</a:t>
+              <a:t>‹#›</a:t>
             </a:fld>
             <a:endParaRPr lang="it-IT"/>
           </a:p>
@@ -4139,7 +4139,7 @@
           <a:p>
             <a:r>
               <a:rPr lang="en-US" dirty="0"/>
-              <a:t>     There there is the highest number of bad estimated stories and  the median is even higher than those with estimate 8.</a:t>
+              <a:t>     There there is the highest number of bad      estimated stories and  the median is even higher than those with estimate 8.</a:t>
             </a:r>
           </a:p>
           <a:p>
@@ -7628,6 +7628,196 @@
           </a:p>
         </p:txBody>
       </p:sp>
+      <p:graphicFrame>
+        <p:nvGraphicFramePr>
+          <p:cNvPr id="2" name="Table 3">
+            <a:extLst>
+              <a:ext uri="{FF2B5EF4-FFF2-40B4-BE49-F238E27FC236}">
+                <a16:creationId xmlns:a16="http://schemas.microsoft.com/office/drawing/2014/main" id="{26245EF0-F2FB-4AEB-9763-DF31E49C9ED9}"/>
+              </a:ext>
+            </a:extLst>
+          </p:cNvPr>
+          <p:cNvGraphicFramePr>
+            <a:graphicFrameLocks noGrp="1"/>
+          </p:cNvGraphicFramePr>
+          <p:nvPr>
+            <p:extLst>
+              <p:ext uri="{D42A27DB-BD31-4B8C-83A1-F6EECF244321}">
+                <p14:modId xmlns:p14="http://schemas.microsoft.com/office/powerpoint/2010/main" val="3857847682"/>
+              </p:ext>
+            </p:extLst>
+          </p:nvPr>
+        </p:nvGraphicFramePr>
+        <p:xfrm>
+          <a:off x="1588654" y="3259614"/>
+          <a:ext cx="8128000" cy="1483360"/>
+        </p:xfrm>
+        <a:graphic>
+          <a:graphicData uri="http://schemas.openxmlformats.org/drawingml/2006/table">
+            <a:tbl>
+              <a:tblPr firstRow="1" bandRow="1">
+                <a:tableStyleId>{5C22544A-7EE6-4342-B048-85BDC9FD1C3A}</a:tableStyleId>
+              </a:tblPr>
+              <a:tblGrid>
+                <a:gridCol w="4064000">
+                  <a:extLst>
+                    <a:ext uri="{9D8B030D-6E8A-4147-A177-3AD203B41FA5}">
+                      <a16:colId xmlns:a16="http://schemas.microsoft.com/office/drawing/2014/main" val="89685030"/>
+                    </a:ext>
+                  </a:extLst>
+                </a:gridCol>
+                <a:gridCol w="4064000">
+                  <a:extLst>
+                    <a:ext uri="{9D8B030D-6E8A-4147-A177-3AD203B41FA5}">
+                      <a16:colId xmlns:a16="http://schemas.microsoft.com/office/drawing/2014/main" val="511345577"/>
+                    </a:ext>
+                  </a:extLst>
+                </a:gridCol>
+              </a:tblGrid>
+              <a:tr h="370840">
+                <a:tc>
+                  <a:txBody>
+                    <a:bodyPr/>
+                    <a:lstStyle/>
+                    <a:p>
+                      <a:r>
+                        <a:rPr lang="en-US" dirty="0"/>
+                        <a:t>Indicator</a:t>
+                      </a:r>
+                      <a:endParaRPr lang="fr-FR" dirty="0"/>
+                    </a:p>
+                  </a:txBody>
+                  <a:tcPr/>
+                </a:tc>
+                <a:tc>
+                  <a:txBody>
+                    <a:bodyPr/>
+                    <a:lstStyle/>
+                    <a:p>
+                      <a:r>
+                        <a:rPr lang="en-US" dirty="0"/>
+                        <a:t>Inaccurate stories</a:t>
+                      </a:r>
+                      <a:endParaRPr lang="fr-FR" dirty="0"/>
+                    </a:p>
+                  </a:txBody>
+                  <a:tcPr/>
+                </a:tc>
+                <a:extLst>
+                  <a:ext uri="{0D108BD9-81ED-4DB2-BD59-A6C34878D82A}">
+                    <a16:rowId xmlns:a16="http://schemas.microsoft.com/office/drawing/2014/main" val="4293070631"/>
+                  </a:ext>
+                </a:extLst>
+              </a:tr>
+              <a:tr h="370840">
+                <a:tc>
+                  <a:txBody>
+                    <a:bodyPr/>
+                    <a:lstStyle/>
+                    <a:p>
+                      <a:r>
+                        <a:rPr lang="en-US" dirty="0"/>
+                        <a:t>New functionalities</a:t>
+                      </a:r>
+                      <a:endParaRPr lang="fr-FR" dirty="0"/>
+                    </a:p>
+                  </a:txBody>
+                  <a:tcPr/>
+                </a:tc>
+                <a:tc>
+                  <a:txBody>
+                    <a:bodyPr/>
+                    <a:lstStyle/>
+                    <a:p>
+                      <a:r>
+                        <a:rPr lang="en-US" dirty="0"/>
+                        <a:t>0.158</a:t>
+                      </a:r>
+                      <a:endParaRPr lang="fr-FR" dirty="0"/>
+                    </a:p>
+                  </a:txBody>
+                  <a:tcPr/>
+                </a:tc>
+                <a:extLst>
+                  <a:ext uri="{0D108BD9-81ED-4DB2-BD59-A6C34878D82A}">
+                    <a16:rowId xmlns:a16="http://schemas.microsoft.com/office/drawing/2014/main" val="2877877220"/>
+                  </a:ext>
+                </a:extLst>
+              </a:tr>
+              <a:tr h="370840">
+                <a:tc>
+                  <a:txBody>
+                    <a:bodyPr/>
+                    <a:lstStyle/>
+                    <a:p>
+                      <a:r>
+                        <a:rPr lang="en-US" dirty="0"/>
+                        <a:t>New technologies</a:t>
+                      </a:r>
+                      <a:endParaRPr lang="fr-FR" dirty="0"/>
+                    </a:p>
+                  </a:txBody>
+                  <a:tcPr/>
+                </a:tc>
+                <a:tc>
+                  <a:txBody>
+                    <a:bodyPr/>
+                    <a:lstStyle/>
+                    <a:p>
+                      <a:r>
+                        <a:rPr lang="en-US" dirty="0"/>
+                        <a:t>0.59</a:t>
+                      </a:r>
+                      <a:endParaRPr lang="fr-FR" dirty="0"/>
+                    </a:p>
+                  </a:txBody>
+                  <a:tcPr/>
+                </a:tc>
+                <a:extLst>
+                  <a:ext uri="{0D108BD9-81ED-4DB2-BD59-A6C34878D82A}">
+                    <a16:rowId xmlns:a16="http://schemas.microsoft.com/office/drawing/2014/main" val="3924616294"/>
+                  </a:ext>
+                </a:extLst>
+              </a:tr>
+              <a:tr h="370840">
+                <a:tc>
+                  <a:txBody>
+                    <a:bodyPr/>
+                    <a:lstStyle/>
+                    <a:p>
+                      <a:r>
+                        <a:rPr lang="en-US" dirty="0"/>
+                        <a:t>Spike</a:t>
+                      </a:r>
+                      <a:endParaRPr lang="fr-FR" dirty="0"/>
+                    </a:p>
+                  </a:txBody>
+                  <a:tcPr/>
+                </a:tc>
+                <a:tc>
+                  <a:txBody>
+                    <a:bodyPr/>
+                    <a:lstStyle/>
+                    <a:p>
+                      <a:r>
+                        <a:rPr lang="en-US" dirty="0"/>
+                        <a:t>0.48</a:t>
+                      </a:r>
+                      <a:endParaRPr lang="fr-FR" dirty="0"/>
+                    </a:p>
+                  </a:txBody>
+                  <a:tcPr/>
+                </a:tc>
+                <a:extLst>
+                  <a:ext uri="{0D108BD9-81ED-4DB2-BD59-A6C34878D82A}">
+                    <a16:rowId xmlns:a16="http://schemas.microsoft.com/office/drawing/2014/main" val="449854770"/>
+                  </a:ext>
+                </a:extLst>
+              </a:tr>
+            </a:tbl>
+          </a:graphicData>
+        </a:graphic>
+      </p:graphicFrame>
     </p:spTree>
     <p:extLst>
       <p:ext uri="{BB962C8B-B14F-4D97-AF65-F5344CB8AC3E}">
